--- a/Draft Journal/Figures/Approah Overview.pptx
+++ b/Draft Journal/Figures/Approah Overview.pptx
@@ -288,7 +288,7 @@
           <a:p>
             <a:fld id="{B264063E-DB37-F34E-966A-A5E5F1467849}" type="datetimeFigureOut">
               <a:rPr lang="en-US" smtClean="0"/>
-              <a:t>3/10/15</a:t>
+              <a:t>2/8/16</a:t>
             </a:fld>
             <a:endParaRPr lang="en-US"/>
           </a:p>
@@ -458,7 +458,7 @@
           <a:p>
             <a:fld id="{B264063E-DB37-F34E-966A-A5E5F1467849}" type="datetimeFigureOut">
               <a:rPr lang="en-US" smtClean="0"/>
-              <a:t>3/10/15</a:t>
+              <a:t>2/8/16</a:t>
             </a:fld>
             <a:endParaRPr lang="en-US"/>
           </a:p>
@@ -638,7 +638,7 @@
           <a:p>
             <a:fld id="{B264063E-DB37-F34E-966A-A5E5F1467849}" type="datetimeFigureOut">
               <a:rPr lang="en-US" smtClean="0"/>
-              <a:t>3/10/15</a:t>
+              <a:t>2/8/16</a:t>
             </a:fld>
             <a:endParaRPr lang="en-US"/>
           </a:p>
@@ -808,7 +808,7 @@
           <a:p>
             <a:fld id="{B264063E-DB37-F34E-966A-A5E5F1467849}" type="datetimeFigureOut">
               <a:rPr lang="en-US" smtClean="0"/>
-              <a:t>3/10/15</a:t>
+              <a:t>2/8/16</a:t>
             </a:fld>
             <a:endParaRPr lang="en-US"/>
           </a:p>
@@ -1054,7 +1054,7 @@
           <a:p>
             <a:fld id="{B264063E-DB37-F34E-966A-A5E5F1467849}" type="datetimeFigureOut">
               <a:rPr lang="en-US" smtClean="0"/>
-              <a:t>3/10/15</a:t>
+              <a:t>2/8/16</a:t>
             </a:fld>
             <a:endParaRPr lang="en-US"/>
           </a:p>
@@ -1342,7 +1342,7 @@
           <a:p>
             <a:fld id="{B264063E-DB37-F34E-966A-A5E5F1467849}" type="datetimeFigureOut">
               <a:rPr lang="en-US" smtClean="0"/>
-              <a:t>3/10/15</a:t>
+              <a:t>2/8/16</a:t>
             </a:fld>
             <a:endParaRPr lang="en-US"/>
           </a:p>
@@ -1764,7 +1764,7 @@
           <a:p>
             <a:fld id="{B264063E-DB37-F34E-966A-A5E5F1467849}" type="datetimeFigureOut">
               <a:rPr lang="en-US" smtClean="0"/>
-              <a:t>3/10/15</a:t>
+              <a:t>2/8/16</a:t>
             </a:fld>
             <a:endParaRPr lang="en-US"/>
           </a:p>
@@ -1882,7 +1882,7 @@
           <a:p>
             <a:fld id="{B264063E-DB37-F34E-966A-A5E5F1467849}" type="datetimeFigureOut">
               <a:rPr lang="en-US" smtClean="0"/>
-              <a:t>3/10/15</a:t>
+              <a:t>2/8/16</a:t>
             </a:fld>
             <a:endParaRPr lang="en-US"/>
           </a:p>
@@ -1977,7 +1977,7 @@
           <a:p>
             <a:fld id="{B264063E-DB37-F34E-966A-A5E5F1467849}" type="datetimeFigureOut">
               <a:rPr lang="en-US" smtClean="0"/>
-              <a:t>3/10/15</a:t>
+              <a:t>2/8/16</a:t>
             </a:fld>
             <a:endParaRPr lang="en-US"/>
           </a:p>
@@ -2254,7 +2254,7 @@
           <a:p>
             <a:fld id="{B264063E-DB37-F34E-966A-A5E5F1467849}" type="datetimeFigureOut">
               <a:rPr lang="en-US" smtClean="0"/>
-              <a:t>3/10/15</a:t>
+              <a:t>2/8/16</a:t>
             </a:fld>
             <a:endParaRPr lang="en-US"/>
           </a:p>
@@ -2507,7 +2507,7 @@
           <a:p>
             <a:fld id="{B264063E-DB37-F34E-966A-A5E5F1467849}" type="datetimeFigureOut">
               <a:rPr lang="en-US" smtClean="0"/>
-              <a:t>3/10/15</a:t>
+              <a:t>2/8/16</a:t>
             </a:fld>
             <a:endParaRPr lang="en-US"/>
           </a:p>
@@ -2720,7 +2720,7 @@
           <a:p>
             <a:fld id="{B264063E-DB37-F34E-966A-A5E5F1467849}" type="datetimeFigureOut">
               <a:rPr lang="en-US" smtClean="0"/>
-              <a:t>3/10/15</a:t>
+              <a:t>2/8/16</a:t>
             </a:fld>
             <a:endParaRPr lang="en-US"/>
           </a:p>
@@ -3103,8 +3103,8 @@
         </p:nvSpPr>
         <p:spPr>
           <a:xfrm>
-            <a:off x="3050708" y="1112993"/>
-            <a:ext cx="3847837" cy="3483014"/>
+            <a:off x="3050708" y="1112992"/>
+            <a:ext cx="3847837" cy="4873117"/>
           </a:xfrm>
           <a:prstGeom prst="roundRect">
             <a:avLst>
@@ -3836,7 +3836,7 @@
         </p:nvGrpSpPr>
         <p:grpSpPr>
           <a:xfrm>
-            <a:off x="5073670" y="4774200"/>
+            <a:off x="7081847" y="3544640"/>
             <a:ext cx="1367287" cy="914401"/>
             <a:chOff x="7144010" y="4681225"/>
             <a:chExt cx="1367287" cy="914401"/>
@@ -4014,15 +4014,15 @@
         <p:nvCxnSpPr>
           <p:cNvPr id="44" name="Straight Arrow Connector 43"/>
           <p:cNvCxnSpPr>
-            <a:stCxn id="15" idx="2"/>
-            <a:endCxn id="16" idx="0"/>
+            <a:stCxn id="25" idx="3"/>
+            <a:endCxn id="16" idx="1"/>
           </p:cNvCxnSpPr>
           <p:nvPr/>
         </p:nvCxnSpPr>
         <p:spPr>
-          <a:xfrm>
-            <a:off x="5848965" y="4459041"/>
-            <a:ext cx="2413" cy="315159"/>
+          <a:xfrm flipV="1">
+            <a:off x="6532608" y="4001841"/>
+            <a:ext cx="549239" cy="5537"/>
           </a:xfrm>
           <a:prstGeom prst="straightConnector1">
             <a:avLst/>
@@ -4329,7 +4329,7 @@
         </p:blipFill>
         <p:spPr>
           <a:xfrm>
-            <a:off x="6898545" y="4636464"/>
+            <a:off x="7214850" y="4917073"/>
             <a:ext cx="975360" cy="975360"/>
           </a:xfrm>
           <a:prstGeom prst="rect">
@@ -4345,7 +4345,7 @@
         </p:nvSpPr>
         <p:spPr>
           <a:xfrm>
-            <a:off x="7081847" y="5523101"/>
+            <a:off x="7371997" y="5825025"/>
             <a:ext cx="620683" cy="369332"/>
           </a:xfrm>
           <a:prstGeom prst="rect">
@@ -4374,8 +4374,8 @@
           <p:nvPr/>
         </p:nvSpPr>
         <p:spPr>
-          <a:xfrm>
-            <a:off x="6642030" y="4965493"/>
+          <a:xfrm rot="5400000">
+            <a:off x="7482621" y="4591686"/>
             <a:ext cx="439817" cy="206651"/>
           </a:xfrm>
           <a:prstGeom prst="rightArrow">
@@ -4436,6 +4436,206 @@
               <a:schemeClr val="tx1"/>
             </a:solidFill>
             <a:headEnd type="arrow"/>
+            <a:tailEnd type="arrow"/>
+          </a:ln>
+          <a:effectLst/>
+        </p:spPr>
+        <p:style>
+          <a:lnRef idx="2">
+            <a:schemeClr val="accent1"/>
+          </a:lnRef>
+          <a:fillRef idx="0">
+            <a:schemeClr val="accent1"/>
+          </a:fillRef>
+          <a:effectRef idx="1">
+            <a:schemeClr val="accent1"/>
+          </a:effectRef>
+          <a:fontRef idx="minor">
+            <a:schemeClr val="tx1"/>
+          </a:fontRef>
+        </p:style>
+      </p:cxnSp>
+      <p:cxnSp>
+        <p:nvCxnSpPr>
+          <p:cNvPr id="3" name="Elbow Connector 2"/>
+          <p:cNvCxnSpPr>
+            <a:stCxn id="50" idx="1"/>
+            <a:endCxn id="8" idx="2"/>
+          </p:cNvCxnSpPr>
+          <p:nvPr/>
+        </p:nvCxnSpPr>
+        <p:spPr>
+          <a:xfrm rot="10800000">
+            <a:off x="3865368" y="4464835"/>
+            <a:ext cx="1285761" cy="928754"/>
+          </a:xfrm>
+          <a:prstGeom prst="bentConnector2">
+            <a:avLst/>
+          </a:prstGeom>
+          <a:ln w="9525" cmpd="sng">
+            <a:solidFill>
+              <a:schemeClr val="tx1">
+                <a:lumMod val="50000"/>
+                <a:lumOff val="50000"/>
+              </a:schemeClr>
+            </a:solidFill>
+            <a:prstDash val="sysDash"/>
+            <a:headEnd type="none"/>
+            <a:tailEnd type="arrow"/>
+          </a:ln>
+          <a:effectLst/>
+        </p:spPr>
+        <p:style>
+          <a:lnRef idx="2">
+            <a:schemeClr val="accent1"/>
+          </a:lnRef>
+          <a:fillRef idx="0">
+            <a:schemeClr val="accent1"/>
+          </a:fillRef>
+          <a:effectRef idx="1">
+            <a:schemeClr val="accent1"/>
+          </a:effectRef>
+          <a:fontRef idx="minor">
+            <a:schemeClr val="tx1"/>
+          </a:fontRef>
+        </p:style>
+      </p:cxnSp>
+      <p:grpSp>
+        <p:nvGrpSpPr>
+          <p:cNvPr id="48" name="Group 47"/>
+          <p:cNvGrpSpPr/>
+          <p:nvPr/>
+        </p:nvGrpSpPr>
+        <p:grpSpPr>
+          <a:xfrm>
+            <a:off x="5151128" y="4936389"/>
+            <a:ext cx="1374853" cy="914400"/>
+            <a:chOff x="3504336" y="3334492"/>
+            <a:chExt cx="1374853" cy="914400"/>
+          </a:xfrm>
+          <a:solidFill>
+            <a:schemeClr val="accent1">
+              <a:lumMod val="40000"/>
+              <a:lumOff val="60000"/>
+            </a:schemeClr>
+          </a:solidFill>
+          <a:effectLst/>
+        </p:grpSpPr>
+        <p:sp>
+          <p:nvSpPr>
+            <p:cNvPr id="50" name="Process 49"/>
+            <p:cNvSpPr/>
+            <p:nvPr/>
+          </p:nvSpPr>
+          <p:spPr>
+            <a:xfrm>
+              <a:off x="3504336" y="3334492"/>
+              <a:ext cx="1367286" cy="914400"/>
+            </a:xfrm>
+            <a:prstGeom prst="flowChartProcess">
+              <a:avLst/>
+            </a:prstGeom>
+            <a:grpFill/>
+            <a:ln>
+              <a:solidFill>
+                <a:schemeClr val="tx1">
+                  <a:lumMod val="50000"/>
+                  <a:lumOff val="50000"/>
+                </a:schemeClr>
+              </a:solidFill>
+              <a:prstDash val="sysDash"/>
+            </a:ln>
+            <a:effectLst/>
+          </p:spPr>
+          <p:style>
+            <a:lnRef idx="1">
+              <a:schemeClr val="accent1"/>
+            </a:lnRef>
+            <a:fillRef idx="3">
+              <a:schemeClr val="accent1"/>
+            </a:fillRef>
+            <a:effectRef idx="2">
+              <a:schemeClr val="accent1"/>
+            </a:effectRef>
+            <a:fontRef idx="minor">
+              <a:schemeClr val="lt1"/>
+            </a:fontRef>
+          </p:style>
+          <p:txBody>
+            <a:bodyPr/>
+            <a:lstStyle/>
+            <a:p>
+              <a:endParaRPr lang="en-US"/>
+            </a:p>
+          </p:txBody>
+        </p:sp>
+        <p:sp>
+          <p:nvSpPr>
+            <p:cNvPr id="51" name="TextBox 50"/>
+            <p:cNvSpPr txBox="1"/>
+            <p:nvPr/>
+          </p:nvSpPr>
+          <p:spPr>
+            <a:xfrm>
+              <a:off x="3511902" y="3487636"/>
+              <a:ext cx="1367287" cy="646331"/>
+            </a:xfrm>
+            <a:prstGeom prst="rect">
+              <a:avLst/>
+            </a:prstGeom>
+            <a:grpFill/>
+            <a:ln>
+              <a:noFill/>
+              <a:prstDash val="solid"/>
+            </a:ln>
+          </p:spPr>
+          <p:txBody>
+            <a:bodyPr wrap="square" rtlCol="0">
+              <a:spAutoFit/>
+            </a:bodyPr>
+            <a:lstStyle/>
+            <a:p>
+              <a:pPr algn="ctr"/>
+              <a:r>
+                <a:rPr lang="en-US" dirty="0" smtClean="0"/>
+                <a:t>Topic</a:t>
+              </a:r>
+              <a:br>
+                <a:rPr lang="en-US" dirty="0" smtClean="0"/>
+              </a:br>
+              <a:r>
+                <a:rPr lang="en-US" dirty="0" smtClean="0"/>
+                <a:t>Modeling</a:t>
+              </a:r>
+              <a:endParaRPr lang="en-US" dirty="0"/>
+            </a:p>
+          </p:txBody>
+        </p:sp>
+      </p:grpSp>
+      <p:cxnSp>
+        <p:nvCxnSpPr>
+          <p:cNvPr id="53" name="Straight Arrow Connector 52"/>
+          <p:cNvCxnSpPr>
+            <a:endCxn id="51" idx="3"/>
+          </p:cNvCxnSpPr>
+          <p:nvPr/>
+        </p:nvCxnSpPr>
+        <p:spPr>
+          <a:xfrm flipH="1">
+            <a:off x="6525981" y="5412699"/>
+            <a:ext cx="1052403" cy="0"/>
+          </a:xfrm>
+          <a:prstGeom prst="straightConnector1">
+            <a:avLst/>
+          </a:prstGeom>
+          <a:ln w="3175" cmpd="sng">
+            <a:solidFill>
+              <a:schemeClr val="tx1">
+                <a:lumMod val="50000"/>
+                <a:lumOff val="50000"/>
+              </a:schemeClr>
+            </a:solidFill>
+            <a:prstDash val="sysDash"/>
             <a:tailEnd type="arrow"/>
           </a:ln>
           <a:effectLst/>
